--- a/com.blackout.solarpanelcalculator/docs/Blackout - Story Cards 2012-09-17.pptx
+++ b/com.blackout.solarpanelcalculator/docs/Blackout - Story Cards 2012-09-17.pptx
@@ -5,7 +5,7 @@
     <p:sldMasterId id="2147483648" r:id="rId1"/>
   </p:sldMasterIdLst>
   <p:notesMasterIdLst>
-    <p:notesMasterId r:id="rId32"/>
+    <p:notesMasterId r:id="rId33"/>
   </p:notesMasterIdLst>
   <p:sldIdLst>
     <p:sldId id="289" r:id="rId2"/>
@@ -38,6 +38,7 @@
     <p:sldId id="283" r:id="rId29"/>
     <p:sldId id="284" r:id="rId30"/>
     <p:sldId id="286" r:id="rId31"/>
+    <p:sldId id="290" r:id="rId32"/>
   </p:sldIdLst>
   <p:sldSz cx="9906000" cy="6858000" type="A4"/>
   <p:notesSz cx="6858000" cy="9144000"/>
@@ -222,7 +223,7 @@
             <a:fld id="{C2B6C84D-44D5-4443-B40F-990756462086}" type="datetimeFigureOut">
               <a:rPr lang="en-AU" smtClean="0"/>
               <a:pPr/>
-              <a:t>17/09/2012</a:t>
+              <a:t>8/10/2012</a:t>
             </a:fld>
             <a:endParaRPr lang="en-AU"/>
           </a:p>
@@ -752,7 +753,7 @@
             <a:fld id="{1585DAA5-6BE2-467A-90B2-00E985D86198}" type="datetimeFigureOut">
               <a:rPr lang="en-AU" smtClean="0"/>
               <a:pPr/>
-              <a:t>17/09/2012</a:t>
+              <a:t>8/10/2012</a:t>
             </a:fld>
             <a:endParaRPr lang="en-AU"/>
           </a:p>
@@ -919,7 +920,7 @@
             <a:fld id="{1585DAA5-6BE2-467A-90B2-00E985D86198}" type="datetimeFigureOut">
               <a:rPr lang="en-AU" smtClean="0"/>
               <a:pPr/>
-              <a:t>17/09/2012</a:t>
+              <a:t>8/10/2012</a:t>
             </a:fld>
             <a:endParaRPr lang="en-AU"/>
           </a:p>
@@ -1096,7 +1097,7 @@
             <a:fld id="{1585DAA5-6BE2-467A-90B2-00E985D86198}" type="datetimeFigureOut">
               <a:rPr lang="en-AU" smtClean="0"/>
               <a:pPr/>
-              <a:t>17/09/2012</a:t>
+              <a:t>8/10/2012</a:t>
             </a:fld>
             <a:endParaRPr lang="en-AU"/>
           </a:p>
@@ -1263,7 +1264,7 @@
             <a:fld id="{1585DAA5-6BE2-467A-90B2-00E985D86198}" type="datetimeFigureOut">
               <a:rPr lang="en-AU" smtClean="0"/>
               <a:pPr/>
-              <a:t>17/09/2012</a:t>
+              <a:t>8/10/2012</a:t>
             </a:fld>
             <a:endParaRPr lang="en-AU"/>
           </a:p>
@@ -1506,7 +1507,7 @@
             <a:fld id="{1585DAA5-6BE2-467A-90B2-00E985D86198}" type="datetimeFigureOut">
               <a:rPr lang="en-AU" smtClean="0"/>
               <a:pPr/>
-              <a:t>17/09/2012</a:t>
+              <a:t>8/10/2012</a:t>
             </a:fld>
             <a:endParaRPr lang="en-AU"/>
           </a:p>
@@ -1791,7 +1792,7 @@
             <a:fld id="{1585DAA5-6BE2-467A-90B2-00E985D86198}" type="datetimeFigureOut">
               <a:rPr lang="en-AU" smtClean="0"/>
               <a:pPr/>
-              <a:t>17/09/2012</a:t>
+              <a:t>8/10/2012</a:t>
             </a:fld>
             <a:endParaRPr lang="en-AU"/>
           </a:p>
@@ -2210,7 +2211,7 @@
             <a:fld id="{1585DAA5-6BE2-467A-90B2-00E985D86198}" type="datetimeFigureOut">
               <a:rPr lang="en-AU" smtClean="0"/>
               <a:pPr/>
-              <a:t>17/09/2012</a:t>
+              <a:t>8/10/2012</a:t>
             </a:fld>
             <a:endParaRPr lang="en-AU"/>
           </a:p>
@@ -2325,7 +2326,7 @@
             <a:fld id="{1585DAA5-6BE2-467A-90B2-00E985D86198}" type="datetimeFigureOut">
               <a:rPr lang="en-AU" smtClean="0"/>
               <a:pPr/>
-              <a:t>17/09/2012</a:t>
+              <a:t>8/10/2012</a:t>
             </a:fld>
             <a:endParaRPr lang="en-AU"/>
           </a:p>
@@ -2417,7 +2418,7 @@
             <a:fld id="{1585DAA5-6BE2-467A-90B2-00E985D86198}" type="datetimeFigureOut">
               <a:rPr lang="en-AU" smtClean="0"/>
               <a:pPr/>
-              <a:t>17/09/2012</a:t>
+              <a:t>8/10/2012</a:t>
             </a:fld>
             <a:endParaRPr lang="en-AU"/>
           </a:p>
@@ -2691,7 +2692,7 @@
             <a:fld id="{1585DAA5-6BE2-467A-90B2-00E985D86198}" type="datetimeFigureOut">
               <a:rPr lang="en-AU" smtClean="0"/>
               <a:pPr/>
-              <a:t>17/09/2012</a:t>
+              <a:t>8/10/2012</a:t>
             </a:fld>
             <a:endParaRPr lang="en-AU"/>
           </a:p>
@@ -2941,7 +2942,7 @@
             <a:fld id="{1585DAA5-6BE2-467A-90B2-00E985D86198}" type="datetimeFigureOut">
               <a:rPr lang="en-AU" smtClean="0"/>
               <a:pPr/>
-              <a:t>17/09/2012</a:t>
+              <a:t>8/10/2012</a:t>
             </a:fld>
             <a:endParaRPr lang="en-AU"/>
           </a:p>
@@ -3151,7 +3152,7 @@
             <a:fld id="{1585DAA5-6BE2-467A-90B2-00E985D86198}" type="datetimeFigureOut">
               <a:rPr lang="en-AU" smtClean="0"/>
               <a:pPr/>
-              <a:t>17/09/2012</a:t>
+              <a:t>8/10/2012</a:t>
             </a:fld>
             <a:endParaRPr lang="en-AU"/>
           </a:p>
@@ -3807,31 +3808,19 @@
           <a:prstGeom prst="rect">
             <a:avLst/>
           </a:prstGeom>
-          <a:solidFill>
-            <a:schemeClr val="accent1">
-              <a:lumMod val="40000"/>
-              <a:lumOff val="60000"/>
-            </a:schemeClr>
-          </a:solidFill>
-          <a:ln>
-            <a:solidFill>
-              <a:schemeClr val="accent1">
-                <a:lumMod val="50000"/>
-              </a:schemeClr>
-            </a:solidFill>
-          </a:ln>
+          <a:ln/>
         </p:spPr>
         <p:style>
           <a:lnRef idx="2">
-            <a:schemeClr val="accent1">
+            <a:schemeClr val="accent5">
               <a:shade val="50000"/>
             </a:schemeClr>
           </a:lnRef>
           <a:fillRef idx="1">
-            <a:schemeClr val="accent1"/>
+            <a:schemeClr val="accent5"/>
           </a:fillRef>
           <a:effectRef idx="0">
-            <a:schemeClr val="accent1"/>
+            <a:schemeClr val="accent5"/>
           </a:effectRef>
           <a:fontRef idx="minor">
             <a:schemeClr val="lt1"/>
@@ -3872,25 +3861,19 @@
           <a:prstGeom prst="rect">
             <a:avLst/>
           </a:prstGeom>
-          <a:ln>
-            <a:solidFill>
-              <a:schemeClr val="accent1">
-                <a:lumMod val="50000"/>
-              </a:schemeClr>
-            </a:solidFill>
-          </a:ln>
+          <a:ln/>
         </p:spPr>
         <p:style>
           <a:lnRef idx="2">
-            <a:schemeClr val="accent1">
+            <a:schemeClr val="accent5">
               <a:shade val="50000"/>
             </a:schemeClr>
           </a:lnRef>
           <a:fillRef idx="1">
-            <a:schemeClr val="accent1"/>
+            <a:schemeClr val="accent5"/>
           </a:fillRef>
           <a:effectRef idx="0">
-            <a:schemeClr val="accent1"/>
+            <a:schemeClr val="accent5"/>
           </a:effectRef>
           <a:fontRef idx="minor">
             <a:schemeClr val="lt1"/>
@@ -3923,31 +3906,19 @@
           <a:prstGeom prst="rect">
             <a:avLst/>
           </a:prstGeom>
-          <a:solidFill>
-            <a:schemeClr val="tx2">
-              <a:lumMod val="20000"/>
-              <a:lumOff val="80000"/>
-            </a:schemeClr>
-          </a:solidFill>
-          <a:ln>
-            <a:solidFill>
-              <a:schemeClr val="accent1">
-                <a:lumMod val="50000"/>
-              </a:schemeClr>
-            </a:solidFill>
-          </a:ln>
+          <a:ln/>
         </p:spPr>
         <p:style>
           <a:lnRef idx="2">
-            <a:schemeClr val="accent1">
+            <a:schemeClr val="accent5">
               <a:shade val="50000"/>
             </a:schemeClr>
           </a:lnRef>
           <a:fillRef idx="1">
-            <a:schemeClr val="accent1"/>
+            <a:schemeClr val="accent5"/>
           </a:fillRef>
           <a:effectRef idx="0">
-            <a:schemeClr val="accent1"/>
+            <a:schemeClr val="accent5"/>
           </a:effectRef>
           <a:fontRef idx="minor">
             <a:schemeClr val="lt1"/>
@@ -3982,31 +3953,19 @@
           <a:prstGeom prst="rect">
             <a:avLst/>
           </a:prstGeom>
-          <a:solidFill>
-            <a:schemeClr val="accent1">
-              <a:lumMod val="20000"/>
-              <a:lumOff val="80000"/>
-            </a:schemeClr>
-          </a:solidFill>
-          <a:ln>
-            <a:solidFill>
-              <a:schemeClr val="accent1">
-                <a:lumMod val="50000"/>
-              </a:schemeClr>
-            </a:solidFill>
-          </a:ln>
+          <a:ln/>
         </p:spPr>
         <p:style>
           <a:lnRef idx="2">
-            <a:schemeClr val="accent1">
+            <a:schemeClr val="accent5">
               <a:shade val="50000"/>
             </a:schemeClr>
           </a:lnRef>
           <a:fillRef idx="1">
-            <a:schemeClr val="accent1"/>
+            <a:schemeClr val="accent5"/>
           </a:fillRef>
           <a:effectRef idx="0">
-            <a:schemeClr val="accent1"/>
+            <a:schemeClr val="accent5"/>
           </a:effectRef>
           <a:fontRef idx="minor">
             <a:schemeClr val="lt1"/>
@@ -4055,30 +4014,19 @@
           <a:prstGeom prst="rect">
             <a:avLst/>
           </a:prstGeom>
-          <a:solidFill>
-            <a:srgbClr val="CCF0CD">
-              <a:alpha val="20000"/>
-            </a:srgbClr>
-          </a:solidFill>
-          <a:ln>
-            <a:solidFill>
-              <a:schemeClr val="accent1">
-                <a:lumMod val="50000"/>
-              </a:schemeClr>
-            </a:solidFill>
-          </a:ln>
+          <a:ln/>
         </p:spPr>
         <p:style>
           <a:lnRef idx="2">
-            <a:schemeClr val="accent1">
+            <a:schemeClr val="accent5">
               <a:shade val="50000"/>
             </a:schemeClr>
           </a:lnRef>
           <a:fillRef idx="1">
-            <a:schemeClr val="accent1"/>
+            <a:schemeClr val="accent5"/>
           </a:fillRef>
           <a:effectRef idx="0">
-            <a:schemeClr val="accent1"/>
+            <a:schemeClr val="accent5"/>
           </a:effectRef>
           <a:fontRef idx="minor">
             <a:schemeClr val="lt1"/>
@@ -4119,31 +4067,19 @@
           <a:prstGeom prst="rect">
             <a:avLst/>
           </a:prstGeom>
-          <a:solidFill>
-            <a:schemeClr val="accent4">
-              <a:lumMod val="20000"/>
-              <a:lumOff val="80000"/>
-            </a:schemeClr>
-          </a:solidFill>
-          <a:ln>
-            <a:solidFill>
-              <a:schemeClr val="accent1">
-                <a:lumMod val="50000"/>
-              </a:schemeClr>
-            </a:solidFill>
-          </a:ln>
+          <a:ln/>
         </p:spPr>
         <p:style>
           <a:lnRef idx="2">
-            <a:schemeClr val="accent1">
+            <a:schemeClr val="accent5">
               <a:shade val="50000"/>
             </a:schemeClr>
           </a:lnRef>
           <a:fillRef idx="1">
-            <a:schemeClr val="accent1"/>
+            <a:schemeClr val="accent5"/>
           </a:fillRef>
           <a:effectRef idx="0">
-            <a:schemeClr val="accent1"/>
+            <a:schemeClr val="accent5"/>
           </a:effectRef>
           <a:fontRef idx="minor">
             <a:schemeClr val="lt1"/>
@@ -4184,28 +4120,19 @@
           <a:prstGeom prst="rect">
             <a:avLst/>
           </a:prstGeom>
-          <a:solidFill>
-            <a:schemeClr val="bg1"/>
-          </a:solidFill>
-          <a:ln>
-            <a:solidFill>
-              <a:schemeClr val="accent1">
-                <a:lumMod val="50000"/>
-              </a:schemeClr>
-            </a:solidFill>
-          </a:ln>
+          <a:ln/>
         </p:spPr>
         <p:style>
           <a:lnRef idx="2">
-            <a:schemeClr val="accent1">
+            <a:schemeClr val="accent5">
               <a:shade val="50000"/>
             </a:schemeClr>
           </a:lnRef>
           <a:fillRef idx="1">
-            <a:schemeClr val="accent1"/>
+            <a:schemeClr val="accent5"/>
           </a:fillRef>
           <a:effectRef idx="0">
-            <a:schemeClr val="accent1"/>
+            <a:schemeClr val="accent5"/>
           </a:effectRef>
           <a:fontRef idx="minor">
             <a:schemeClr val="lt1"/>
@@ -12922,7 +12849,7 @@
     </p:spTree>
     <p:extLst>
       <p:ext uri="{BB962C8B-B14F-4D97-AF65-F5344CB8AC3E}">
-        <p14:creationId xmlns:p14="http://schemas.microsoft.com/office/powerpoint/2010/main" xmlns="" val="1199108086"/>
+        <p14:creationId xmlns="" xmlns:p14="http://schemas.microsoft.com/office/powerpoint/2010/main" val="1199108086"/>
       </p:ext>
     </p:extLst>
   </p:cSld>
@@ -13470,7 +13397,7 @@
     </p:spTree>
     <p:extLst>
       <p:ext uri="{BB962C8B-B14F-4D97-AF65-F5344CB8AC3E}">
-        <p14:creationId xmlns:p14="http://schemas.microsoft.com/office/powerpoint/2010/main" xmlns="" val="1081748674"/>
+        <p14:creationId xmlns="" xmlns:p14="http://schemas.microsoft.com/office/powerpoint/2010/main" val="1081748674"/>
       </p:ext>
     </p:extLst>
   </p:cSld>
@@ -14010,7 +13937,7 @@
     </p:spTree>
     <p:extLst>
       <p:ext uri="{BB962C8B-B14F-4D97-AF65-F5344CB8AC3E}">
-        <p14:creationId xmlns:p14="http://schemas.microsoft.com/office/powerpoint/2010/main" xmlns="" val="3085792635"/>
+        <p14:creationId xmlns="" xmlns:p14="http://schemas.microsoft.com/office/powerpoint/2010/main" val="3085792635"/>
       </p:ext>
     </p:extLst>
   </p:cSld>
@@ -14550,34 +14477,20 @@
           <a:prstGeom prst="rect">
             <a:avLst/>
           </a:prstGeom>
-          <a:solidFill>
-            <a:schemeClr val="accent1">
-              <a:lumMod val="40000"/>
-              <a:lumOff val="60000"/>
-            </a:schemeClr>
-          </a:solidFill>
-          <a:ln>
-            <a:solidFill>
-              <a:schemeClr val="accent1">
-                <a:lumMod val="50000"/>
-              </a:schemeClr>
-            </a:solidFill>
-          </a:ln>
-        </p:spPr>
-        <p:style>
-          <a:lnRef idx="2">
-            <a:schemeClr val="accent1">
-              <a:shade val="50000"/>
-            </a:schemeClr>
-          </a:lnRef>
-          <a:fillRef idx="1">
-            <a:schemeClr val="accent1"/>
-          </a:fillRef>
-          <a:effectRef idx="0">
-            <a:schemeClr val="accent1"/>
-          </a:effectRef>
-          <a:fontRef idx="minor">
-            <a:schemeClr val="lt1"/>
+          <a:ln/>
+        </p:spPr>
+        <p:style>
+          <a:lnRef idx="1">
+            <a:schemeClr val="accent3"/>
+          </a:lnRef>
+          <a:fillRef idx="2">
+            <a:schemeClr val="accent3"/>
+          </a:fillRef>
+          <a:effectRef idx="1">
+            <a:schemeClr val="accent3"/>
+          </a:effectRef>
+          <a:fontRef idx="minor">
+            <a:schemeClr val="dk1"/>
           </a:fontRef>
         </p:style>
         <p:txBody>
@@ -14615,28 +14528,20 @@
           <a:prstGeom prst="rect">
             <a:avLst/>
           </a:prstGeom>
-          <a:ln>
-            <a:solidFill>
-              <a:schemeClr val="accent1">
-                <a:lumMod val="50000"/>
-              </a:schemeClr>
-            </a:solidFill>
-          </a:ln>
-        </p:spPr>
-        <p:style>
-          <a:lnRef idx="2">
-            <a:schemeClr val="accent1">
-              <a:shade val="50000"/>
-            </a:schemeClr>
-          </a:lnRef>
-          <a:fillRef idx="1">
-            <a:schemeClr val="accent1"/>
-          </a:fillRef>
-          <a:effectRef idx="0">
-            <a:schemeClr val="accent1"/>
-          </a:effectRef>
-          <a:fontRef idx="minor">
-            <a:schemeClr val="lt1"/>
+          <a:ln/>
+        </p:spPr>
+        <p:style>
+          <a:lnRef idx="1">
+            <a:schemeClr val="accent3"/>
+          </a:lnRef>
+          <a:fillRef idx="2">
+            <a:schemeClr val="accent3"/>
+          </a:fillRef>
+          <a:effectRef idx="1">
+            <a:schemeClr val="accent3"/>
+          </a:effectRef>
+          <a:fontRef idx="minor">
+            <a:schemeClr val="dk1"/>
           </a:fontRef>
         </p:style>
         <p:txBody>
@@ -14666,34 +14571,20 @@
           <a:prstGeom prst="rect">
             <a:avLst/>
           </a:prstGeom>
-          <a:solidFill>
-            <a:schemeClr val="tx2">
-              <a:lumMod val="20000"/>
-              <a:lumOff val="80000"/>
-            </a:schemeClr>
-          </a:solidFill>
-          <a:ln>
-            <a:solidFill>
-              <a:schemeClr val="accent1">
-                <a:lumMod val="50000"/>
-              </a:schemeClr>
-            </a:solidFill>
-          </a:ln>
-        </p:spPr>
-        <p:style>
-          <a:lnRef idx="2">
-            <a:schemeClr val="accent1">
-              <a:shade val="50000"/>
-            </a:schemeClr>
-          </a:lnRef>
-          <a:fillRef idx="1">
-            <a:schemeClr val="accent1"/>
-          </a:fillRef>
-          <a:effectRef idx="0">
-            <a:schemeClr val="accent1"/>
-          </a:effectRef>
-          <a:fontRef idx="minor">
-            <a:schemeClr val="lt1"/>
+          <a:ln/>
+        </p:spPr>
+        <p:style>
+          <a:lnRef idx="1">
+            <a:schemeClr val="accent3"/>
+          </a:lnRef>
+          <a:fillRef idx="2">
+            <a:schemeClr val="accent3"/>
+          </a:fillRef>
+          <a:effectRef idx="1">
+            <a:schemeClr val="accent3"/>
+          </a:effectRef>
+          <a:fontRef idx="minor">
+            <a:schemeClr val="dk1"/>
           </a:fontRef>
         </p:style>
         <p:txBody>
@@ -14725,34 +14616,20 @@
           <a:prstGeom prst="rect">
             <a:avLst/>
           </a:prstGeom>
-          <a:solidFill>
-            <a:schemeClr val="accent1">
-              <a:lumMod val="20000"/>
-              <a:lumOff val="80000"/>
-            </a:schemeClr>
-          </a:solidFill>
-          <a:ln>
-            <a:solidFill>
-              <a:schemeClr val="accent1">
-                <a:lumMod val="50000"/>
-              </a:schemeClr>
-            </a:solidFill>
-          </a:ln>
-        </p:spPr>
-        <p:style>
-          <a:lnRef idx="2">
-            <a:schemeClr val="accent1">
-              <a:shade val="50000"/>
-            </a:schemeClr>
-          </a:lnRef>
-          <a:fillRef idx="1">
-            <a:schemeClr val="accent1"/>
-          </a:fillRef>
-          <a:effectRef idx="0">
-            <a:schemeClr val="accent1"/>
-          </a:effectRef>
-          <a:fontRef idx="minor">
-            <a:schemeClr val="lt1"/>
+          <a:ln/>
+        </p:spPr>
+        <p:style>
+          <a:lnRef idx="1">
+            <a:schemeClr val="accent3"/>
+          </a:lnRef>
+          <a:fillRef idx="2">
+            <a:schemeClr val="accent3"/>
+          </a:fillRef>
+          <a:effectRef idx="1">
+            <a:schemeClr val="accent3"/>
+          </a:effectRef>
+          <a:fontRef idx="minor">
+            <a:schemeClr val="dk1"/>
           </a:fontRef>
         </p:style>
         <p:txBody>
@@ -14804,6 +14681,484 @@
         <p:spPr>
           <a:xfrm>
             <a:off x="9147155" y="109410"/>
+            <a:ext cx="720000" cy="540000"/>
+          </a:xfrm>
+          <a:prstGeom prst="rect">
+            <a:avLst/>
+          </a:prstGeom>
+          <a:ln/>
+        </p:spPr>
+        <p:style>
+          <a:lnRef idx="1">
+            <a:schemeClr val="accent3"/>
+          </a:lnRef>
+          <a:fillRef idx="2">
+            <a:schemeClr val="accent3"/>
+          </a:fillRef>
+          <a:effectRef idx="1">
+            <a:schemeClr val="accent3"/>
+          </a:effectRef>
+          <a:fontRef idx="minor">
+            <a:schemeClr val="dk1"/>
+          </a:fontRef>
+        </p:style>
+        <p:txBody>
+          <a:bodyPr wrap="square" lIns="0" rIns="0" rtlCol="0" anchor="ctr"/>
+          <a:lstStyle/>
+          <a:p>
+            <a:pPr algn="ctr"/>
+            <a:r>
+              <a:rPr lang="en-AU" sz="2000" dirty="0" smtClean="0">
+                <a:solidFill>
+                  <a:schemeClr val="tx1"/>
+                </a:solidFill>
+              </a:rPr>
+              <a:t>8</a:t>
+            </a:r>
+            <a:r>
+              <a:rPr lang="en-AU" sz="2000" smtClean="0">
+                <a:solidFill>
+                  <a:schemeClr val="tx1"/>
+                </a:solidFill>
+              </a:rPr>
+              <a:t>pts</a:t>
+            </a:r>
+            <a:endParaRPr lang="en-AU" sz="2000" dirty="0">
+              <a:solidFill>
+                <a:schemeClr val="tx1"/>
+              </a:solidFill>
+            </a:endParaRPr>
+          </a:p>
+        </p:txBody>
+      </p:sp>
+      <p:sp>
+        <p:nvSpPr>
+          <p:cNvPr id="12" name="Rectangle 11"/>
+          <p:cNvSpPr/>
+          <p:nvPr/>
+        </p:nvSpPr>
+        <p:spPr>
+          <a:xfrm>
+            <a:off x="8283153" y="109410"/>
+            <a:ext cx="792000" cy="540000"/>
+          </a:xfrm>
+          <a:prstGeom prst="rect">
+            <a:avLst/>
+          </a:prstGeom>
+          <a:ln/>
+        </p:spPr>
+        <p:style>
+          <a:lnRef idx="1">
+            <a:schemeClr val="accent3"/>
+          </a:lnRef>
+          <a:fillRef idx="2">
+            <a:schemeClr val="accent3"/>
+          </a:fillRef>
+          <a:effectRef idx="1">
+            <a:schemeClr val="accent3"/>
+          </a:effectRef>
+          <a:fontRef idx="minor">
+            <a:schemeClr val="dk1"/>
+          </a:fontRef>
+        </p:style>
+        <p:txBody>
+          <a:bodyPr wrap="none" lIns="0" rIns="0" rtlCol="0" anchor="ctr"/>
+          <a:lstStyle/>
+          <a:p>
+            <a:pPr algn="ctr"/>
+            <a:r>
+              <a:rPr lang="en-AU" sz="2000" dirty="0" smtClean="0">
+                <a:solidFill>
+                  <a:schemeClr val="tx1"/>
+                </a:solidFill>
+              </a:rPr>
+              <a:t>Could</a:t>
+            </a:r>
+            <a:endParaRPr lang="en-AU" sz="2000" dirty="0">
+              <a:solidFill>
+                <a:schemeClr val="tx1"/>
+              </a:solidFill>
+            </a:endParaRPr>
+          </a:p>
+        </p:txBody>
+      </p:sp>
+      <p:sp>
+        <p:nvSpPr>
+          <p:cNvPr id="13" name="Rectangle 12"/>
+          <p:cNvSpPr/>
+          <p:nvPr/>
+        </p:nvSpPr>
+        <p:spPr>
+          <a:xfrm>
+            <a:off x="39153" y="5128590"/>
+            <a:ext cx="9828000" cy="1620000"/>
+          </a:xfrm>
+          <a:prstGeom prst="rect">
+            <a:avLst/>
+          </a:prstGeom>
+          <a:ln/>
+        </p:spPr>
+        <p:style>
+          <a:lnRef idx="1">
+            <a:schemeClr val="accent3"/>
+          </a:lnRef>
+          <a:fillRef idx="2">
+            <a:schemeClr val="accent3"/>
+          </a:fillRef>
+          <a:effectRef idx="1">
+            <a:schemeClr val="accent3"/>
+          </a:effectRef>
+          <a:fontRef idx="minor">
+            <a:schemeClr val="dk1"/>
+          </a:fontRef>
+        </p:style>
+        <p:txBody>
+          <a:bodyPr tIns="36000" rtlCol="0" anchor="t" anchorCtr="0"/>
+          <a:lstStyle/>
+          <a:p>
+            <a:r>
+              <a:rPr lang="en-AU" sz="2000" dirty="0" smtClean="0">
+                <a:solidFill>
+                  <a:schemeClr val="tx1"/>
+                </a:solidFill>
+              </a:rPr>
+              <a:t>Notes</a:t>
+            </a:r>
+          </a:p>
+          <a:p>
+            <a:pPr marL="179388" indent="-179388">
+              <a:buFont typeface="Arial" pitchFamily="34" charset="0"/>
+              <a:buChar char="•"/>
+            </a:pPr>
+            <a:r>
+              <a:rPr lang="en-AU" sz="2000" dirty="0" smtClean="0">
+                <a:solidFill>
+                  <a:schemeClr val="tx1"/>
+                </a:solidFill>
+              </a:rPr>
+              <a:t>Will require a database in place. (Story 22)</a:t>
+            </a:r>
+            <a:endParaRPr lang="en-AU" sz="2000" dirty="0">
+              <a:solidFill>
+                <a:schemeClr val="tx1"/>
+              </a:solidFill>
+            </a:endParaRPr>
+          </a:p>
+        </p:txBody>
+      </p:sp>
+    </p:spTree>
+    <p:extLst>
+      <p:ext uri="{BB962C8B-B14F-4D97-AF65-F5344CB8AC3E}">
+        <p14:creationId xmlns:p14="http://schemas.microsoft.com/office/powerpoint/2010/main" xmlns="" val="3155769523"/>
+      </p:ext>
+    </p:extLst>
+  </p:cSld>
+  <p:clrMapOvr>
+    <a:masterClrMapping/>
+  </p:clrMapOvr>
+</p:sld>
+</file>
+
+<file path=ppt/slides/slide31.xml><?xml version="1.0" encoding="utf-8"?>
+<p:sld xmlns:a="http://schemas.openxmlformats.org/drawingml/2006/main" xmlns:r="http://schemas.openxmlformats.org/officeDocument/2006/relationships" xmlns:p="http://schemas.openxmlformats.org/presentationml/2006/main">
+  <p:cSld>
+    <p:spTree>
+      <p:nvGrpSpPr>
+        <p:cNvPr id="1" name=""/>
+        <p:cNvGrpSpPr/>
+        <p:nvPr/>
+      </p:nvGrpSpPr>
+      <p:grpSpPr>
+        <a:xfrm>
+          <a:off x="0" y="0"/>
+          <a:ext cx="0" cy="0"/>
+          <a:chOff x="0" y="0"/>
+          <a:chExt cx="0" cy="0"/>
+        </a:xfrm>
+      </p:grpSpPr>
+      <p:sp>
+        <p:nvSpPr>
+          <p:cNvPr id="4" name="Rectangle 3"/>
+          <p:cNvSpPr/>
+          <p:nvPr/>
+        </p:nvSpPr>
+        <p:spPr>
+          <a:xfrm>
+            <a:off x="39153" y="109410"/>
+            <a:ext cx="720000" cy="540000"/>
+          </a:xfrm>
+          <a:prstGeom prst="rect">
+            <a:avLst/>
+          </a:prstGeom>
+          <a:solidFill>
+            <a:schemeClr val="accent1">
+              <a:lumMod val="40000"/>
+              <a:lumOff val="60000"/>
+            </a:schemeClr>
+          </a:solidFill>
+          <a:ln>
+            <a:solidFill>
+              <a:schemeClr val="accent1">
+                <a:lumMod val="50000"/>
+              </a:schemeClr>
+            </a:solidFill>
+          </a:ln>
+        </p:spPr>
+        <p:style>
+          <a:lnRef idx="2">
+            <a:schemeClr val="accent1">
+              <a:shade val="50000"/>
+            </a:schemeClr>
+          </a:lnRef>
+          <a:fillRef idx="1">
+            <a:schemeClr val="accent1"/>
+          </a:fillRef>
+          <a:effectRef idx="0">
+            <a:schemeClr val="accent1"/>
+          </a:effectRef>
+          <a:fontRef idx="minor">
+            <a:schemeClr val="lt1"/>
+          </a:fontRef>
+        </p:style>
+        <p:txBody>
+          <a:bodyPr wrap="square" lIns="0" rIns="0" rtlCol="0" anchor="ctr"/>
+          <a:lstStyle/>
+          <a:p>
+            <a:pPr algn="ctr"/>
+            <a:r>
+              <a:rPr lang="en-AU" sz="2000" dirty="0" smtClean="0">
+                <a:solidFill>
+                  <a:schemeClr val="tx1"/>
+                </a:solidFill>
+              </a:rPr>
+              <a:t>30</a:t>
+            </a:r>
+            <a:endParaRPr lang="en-AU" sz="2000" dirty="0">
+              <a:solidFill>
+                <a:schemeClr val="tx1"/>
+              </a:solidFill>
+            </a:endParaRPr>
+          </a:p>
+        </p:txBody>
+      </p:sp>
+      <p:sp>
+        <p:nvSpPr>
+          <p:cNvPr id="6" name="Rectangle 5"/>
+          <p:cNvSpPr/>
+          <p:nvPr/>
+        </p:nvSpPr>
+        <p:spPr>
+          <a:xfrm>
+            <a:off x="831153" y="109410"/>
+            <a:ext cx="7380000" cy="540000"/>
+          </a:xfrm>
+          <a:prstGeom prst="rect">
+            <a:avLst/>
+          </a:prstGeom>
+          <a:ln/>
+        </p:spPr>
+        <p:style>
+          <a:lnRef idx="2">
+            <a:schemeClr val="accent5">
+              <a:shade val="50000"/>
+            </a:schemeClr>
+          </a:lnRef>
+          <a:fillRef idx="1">
+            <a:schemeClr val="accent5"/>
+          </a:fillRef>
+          <a:effectRef idx="0">
+            <a:schemeClr val="accent5"/>
+          </a:effectRef>
+          <a:fontRef idx="minor">
+            <a:schemeClr val="lt1"/>
+          </a:fontRef>
+        </p:style>
+        <p:txBody>
+          <a:bodyPr rtlCol="0" anchor="ctr"/>
+          <a:lstStyle/>
+          <a:p>
+            <a:pPr algn="ctr"/>
+            <a:r>
+              <a:rPr lang="en-AU" sz="2800" dirty="0" smtClean="0"/>
+              <a:t>Calculation – Similar Setups</a:t>
+            </a:r>
+            <a:endParaRPr lang="en-AU" sz="2800" dirty="0"/>
+          </a:p>
+        </p:txBody>
+      </p:sp>
+      <p:sp>
+        <p:nvSpPr>
+          <p:cNvPr id="7" name="Rectangle 6"/>
+          <p:cNvSpPr/>
+          <p:nvPr/>
+        </p:nvSpPr>
+        <p:spPr>
+          <a:xfrm>
+            <a:off x="39153" y="822470"/>
+            <a:ext cx="9828000" cy="2340000"/>
+          </a:xfrm>
+          <a:prstGeom prst="rect">
+            <a:avLst/>
+          </a:prstGeom>
+          <a:solidFill>
+            <a:schemeClr val="tx2">
+              <a:lumMod val="20000"/>
+              <a:lumOff val="80000"/>
+            </a:schemeClr>
+          </a:solidFill>
+          <a:ln>
+            <a:solidFill>
+              <a:schemeClr val="accent1">
+                <a:lumMod val="50000"/>
+              </a:schemeClr>
+            </a:solidFill>
+          </a:ln>
+        </p:spPr>
+        <p:style>
+          <a:lnRef idx="2">
+            <a:schemeClr val="accent1">
+              <a:shade val="50000"/>
+            </a:schemeClr>
+          </a:lnRef>
+          <a:fillRef idx="1">
+            <a:schemeClr val="accent1"/>
+          </a:fillRef>
+          <a:effectRef idx="0">
+            <a:schemeClr val="accent1"/>
+          </a:effectRef>
+          <a:fontRef idx="minor">
+            <a:schemeClr val="lt1"/>
+          </a:fontRef>
+        </p:style>
+        <p:txBody>
+          <a:bodyPr rtlCol="0" anchor="t" anchorCtr="0"/>
+          <a:lstStyle/>
+          <a:p>
+            <a:r>
+              <a:rPr lang="en-AU" sz="2400" dirty="0" smtClean="0">
+                <a:solidFill>
+                  <a:schemeClr val="tx1"/>
+                </a:solidFill>
+              </a:rPr>
+              <a:t>As an owner of a system, I want to compare my system’s results to my area’s average in order to see if I’m getting </a:t>
+            </a:r>
+            <a:endParaRPr lang="en-AU" sz="2400" dirty="0" smtClean="0">
+              <a:solidFill>
+                <a:schemeClr val="tx1"/>
+              </a:solidFill>
+            </a:endParaRPr>
+          </a:p>
+        </p:txBody>
+      </p:sp>
+      <p:sp>
+        <p:nvSpPr>
+          <p:cNvPr id="8" name="Rectangle 7"/>
+          <p:cNvSpPr/>
+          <p:nvPr/>
+        </p:nvSpPr>
+        <p:spPr>
+          <a:xfrm>
+            <a:off x="39153" y="3335530"/>
+            <a:ext cx="9828000" cy="1620000"/>
+          </a:xfrm>
+          <a:prstGeom prst="rect">
+            <a:avLst/>
+          </a:prstGeom>
+          <a:solidFill>
+            <a:schemeClr val="accent1">
+              <a:lumMod val="20000"/>
+              <a:lumOff val="80000"/>
+            </a:schemeClr>
+          </a:solidFill>
+          <a:ln>
+            <a:solidFill>
+              <a:schemeClr val="accent1">
+                <a:lumMod val="50000"/>
+              </a:schemeClr>
+            </a:solidFill>
+          </a:ln>
+        </p:spPr>
+        <p:style>
+          <a:lnRef idx="2">
+            <a:schemeClr val="accent1">
+              <a:shade val="50000"/>
+            </a:schemeClr>
+          </a:lnRef>
+          <a:fillRef idx="1">
+            <a:schemeClr val="accent1"/>
+          </a:fillRef>
+          <a:effectRef idx="0">
+            <a:schemeClr val="accent1"/>
+          </a:effectRef>
+          <a:fontRef idx="minor">
+            <a:schemeClr val="lt1"/>
+          </a:fontRef>
+        </p:style>
+        <p:txBody>
+          <a:bodyPr tIns="36000" rtlCol="0" anchor="t" anchorCtr="0"/>
+          <a:lstStyle/>
+          <a:p>
+            <a:r>
+              <a:rPr lang="en-AU" sz="2000" dirty="0" smtClean="0">
+                <a:solidFill>
+                  <a:schemeClr val="tx1"/>
+                </a:solidFill>
+              </a:rPr>
+              <a:t>Acceptance Criteria</a:t>
+            </a:r>
+          </a:p>
+          <a:p>
+            <a:pPr>
+              <a:buFont typeface="Arial" pitchFamily="34" charset="0"/>
+              <a:buChar char="•"/>
+            </a:pPr>
+            <a:r>
+              <a:rPr lang="en-AU" sz="2000" dirty="0" smtClean="0">
+                <a:solidFill>
+                  <a:schemeClr val="tx1"/>
+                </a:solidFill>
+              </a:rPr>
+              <a:t> </a:t>
+            </a:r>
+            <a:r>
+              <a:rPr lang="en-AU" sz="2000" dirty="0" smtClean="0">
+                <a:solidFill>
+                  <a:schemeClr val="tx1"/>
+                </a:solidFill>
+              </a:rPr>
+              <a:t>Display users data +/- an average for the area.</a:t>
+            </a:r>
+          </a:p>
+          <a:p>
+            <a:pPr>
+              <a:buFont typeface="Arial" pitchFamily="34" charset="0"/>
+              <a:buChar char="•"/>
+            </a:pPr>
+            <a:r>
+              <a:rPr lang="en-AU" sz="2000" dirty="0" smtClean="0">
+                <a:solidFill>
+                  <a:schemeClr val="tx1"/>
+                </a:solidFill>
+              </a:rPr>
+              <a:t> Connects to another source to get the average rates</a:t>
+            </a:r>
+            <a:endParaRPr lang="en-AU" sz="2000" dirty="0" smtClean="0">
+              <a:solidFill>
+                <a:schemeClr val="tx1"/>
+              </a:solidFill>
+            </a:endParaRPr>
+          </a:p>
+        </p:txBody>
+      </p:sp>
+      <p:sp>
+        <p:nvSpPr>
+          <p:cNvPr id="11" name="Rectangle 10"/>
+          <p:cNvSpPr/>
+          <p:nvPr/>
+        </p:nvSpPr>
+        <p:spPr>
+          <a:xfrm>
+            <a:off x="9147154" y="109410"/>
             <a:ext cx="720000" cy="540000"/>
           </a:xfrm>
           <a:prstGeom prst="rect">
@@ -14849,15 +15204,7 @@
                   <a:schemeClr val="tx1"/>
                 </a:solidFill>
               </a:rPr>
-              <a:t>8</a:t>
-            </a:r>
-            <a:r>
-              <a:rPr lang="en-AU" sz="2000" smtClean="0">
-                <a:solidFill>
-                  <a:schemeClr val="tx1"/>
-                </a:solidFill>
-              </a:rPr>
-              <a:t>pts</a:t>
+              <a:t>8pts</a:t>
             </a:r>
             <a:endParaRPr lang="en-AU" sz="2000" dirty="0">
               <a:solidFill>
@@ -14922,7 +15269,7 @@
                   <a:schemeClr val="tx1"/>
                 </a:solidFill>
               </a:rPr>
-              <a:t>Could</a:t>
+              <a:t>Should</a:t>
             </a:r>
             <a:endParaRPr lang="en-AU" sz="2000" dirty="0">
               <a:solidFill>
@@ -14997,7 +15344,7 @@
                   <a:schemeClr val="tx1"/>
                 </a:solidFill>
               </a:rPr>
-              <a:t>Will require a database in place. (Story 22)</a:t>
+              <a:t> </a:t>
             </a:r>
             <a:endParaRPr lang="en-AU" sz="2000" dirty="0">
               <a:solidFill>
@@ -15008,11 +15355,6 @@
         </p:txBody>
       </p:sp>
     </p:spTree>
-    <p:extLst>
-      <p:ext uri="{BB962C8B-B14F-4D97-AF65-F5344CB8AC3E}">
-        <p14:creationId xmlns="" xmlns:p14="http://schemas.microsoft.com/office/powerpoint/2010/main" val="3155769523"/>
-      </p:ext>
-    </p:extLst>
   </p:cSld>
   <p:clrMapOvr>
     <a:masterClrMapping/>
@@ -17268,34 +17610,20 @@
           <a:prstGeom prst="rect">
             <a:avLst/>
           </a:prstGeom>
-          <a:solidFill>
-            <a:schemeClr val="accent1">
-              <a:lumMod val="40000"/>
-              <a:lumOff val="60000"/>
-            </a:schemeClr>
-          </a:solidFill>
-          <a:ln>
-            <a:solidFill>
-              <a:schemeClr val="accent1">
-                <a:lumMod val="50000"/>
-              </a:schemeClr>
-            </a:solidFill>
-          </a:ln>
-        </p:spPr>
-        <p:style>
-          <a:lnRef idx="2">
-            <a:schemeClr val="accent1">
-              <a:shade val="50000"/>
-            </a:schemeClr>
-          </a:lnRef>
-          <a:fillRef idx="1">
-            <a:schemeClr val="accent1"/>
-          </a:fillRef>
-          <a:effectRef idx="0">
-            <a:schemeClr val="accent1"/>
-          </a:effectRef>
-          <a:fontRef idx="minor">
-            <a:schemeClr val="lt1"/>
+          <a:ln/>
+        </p:spPr>
+        <p:style>
+          <a:lnRef idx="1">
+            <a:schemeClr val="accent3"/>
+          </a:lnRef>
+          <a:fillRef idx="2">
+            <a:schemeClr val="accent3"/>
+          </a:fillRef>
+          <a:effectRef idx="1">
+            <a:schemeClr val="accent3"/>
+          </a:effectRef>
+          <a:fontRef idx="minor">
+            <a:schemeClr val="dk1"/>
           </a:fontRef>
         </p:style>
         <p:txBody>
@@ -17333,28 +17661,20 @@
           <a:prstGeom prst="rect">
             <a:avLst/>
           </a:prstGeom>
-          <a:ln>
-            <a:solidFill>
-              <a:schemeClr val="accent1">
-                <a:lumMod val="50000"/>
-              </a:schemeClr>
-            </a:solidFill>
-          </a:ln>
-        </p:spPr>
-        <p:style>
-          <a:lnRef idx="2">
-            <a:schemeClr val="accent1">
-              <a:shade val="50000"/>
-            </a:schemeClr>
-          </a:lnRef>
-          <a:fillRef idx="1">
-            <a:schemeClr val="accent1"/>
-          </a:fillRef>
-          <a:effectRef idx="0">
-            <a:schemeClr val="accent1"/>
-          </a:effectRef>
-          <a:fontRef idx="minor">
-            <a:schemeClr val="lt1"/>
+          <a:ln/>
+        </p:spPr>
+        <p:style>
+          <a:lnRef idx="1">
+            <a:schemeClr val="accent3"/>
+          </a:lnRef>
+          <a:fillRef idx="2">
+            <a:schemeClr val="accent3"/>
+          </a:fillRef>
+          <a:effectRef idx="1">
+            <a:schemeClr val="accent3"/>
+          </a:effectRef>
+          <a:fontRef idx="minor">
+            <a:schemeClr val="dk1"/>
           </a:fontRef>
         </p:style>
         <p:txBody>
@@ -17384,34 +17704,20 @@
           <a:prstGeom prst="rect">
             <a:avLst/>
           </a:prstGeom>
-          <a:solidFill>
-            <a:schemeClr val="tx2">
-              <a:lumMod val="20000"/>
-              <a:lumOff val="80000"/>
-            </a:schemeClr>
-          </a:solidFill>
-          <a:ln>
-            <a:solidFill>
-              <a:schemeClr val="accent1">
-                <a:lumMod val="50000"/>
-              </a:schemeClr>
-            </a:solidFill>
-          </a:ln>
-        </p:spPr>
-        <p:style>
-          <a:lnRef idx="2">
-            <a:schemeClr val="accent1">
-              <a:shade val="50000"/>
-            </a:schemeClr>
-          </a:lnRef>
-          <a:fillRef idx="1">
-            <a:schemeClr val="accent1"/>
-          </a:fillRef>
-          <a:effectRef idx="0">
-            <a:schemeClr val="accent1"/>
-          </a:effectRef>
-          <a:fontRef idx="minor">
-            <a:schemeClr val="lt1"/>
+          <a:ln/>
+        </p:spPr>
+        <p:style>
+          <a:lnRef idx="1">
+            <a:schemeClr val="accent3"/>
+          </a:lnRef>
+          <a:fillRef idx="2">
+            <a:schemeClr val="accent3"/>
+          </a:fillRef>
+          <a:effectRef idx="1">
+            <a:schemeClr val="accent3"/>
+          </a:effectRef>
+          <a:fontRef idx="minor">
+            <a:schemeClr val="dk1"/>
           </a:fontRef>
         </p:style>
         <p:txBody>
@@ -17443,34 +17749,20 @@
           <a:prstGeom prst="rect">
             <a:avLst/>
           </a:prstGeom>
-          <a:solidFill>
-            <a:schemeClr val="accent1">
-              <a:lumMod val="20000"/>
-              <a:lumOff val="80000"/>
-            </a:schemeClr>
-          </a:solidFill>
-          <a:ln>
-            <a:solidFill>
-              <a:schemeClr val="accent1">
-                <a:lumMod val="50000"/>
-              </a:schemeClr>
-            </a:solidFill>
-          </a:ln>
-        </p:spPr>
-        <p:style>
-          <a:lnRef idx="2">
-            <a:schemeClr val="accent1">
-              <a:shade val="50000"/>
-            </a:schemeClr>
-          </a:lnRef>
-          <a:fillRef idx="1">
-            <a:schemeClr val="accent1"/>
-          </a:fillRef>
-          <a:effectRef idx="0">
-            <a:schemeClr val="accent1"/>
-          </a:effectRef>
-          <a:fontRef idx="minor">
-            <a:schemeClr val="lt1"/>
+          <a:ln/>
+        </p:spPr>
+        <p:style>
+          <a:lnRef idx="1">
+            <a:schemeClr val="accent3"/>
+          </a:lnRef>
+          <a:fillRef idx="2">
+            <a:schemeClr val="accent3"/>
+          </a:fillRef>
+          <a:effectRef idx="1">
+            <a:schemeClr val="accent3"/>
+          </a:effectRef>
+          <a:fontRef idx="minor">
+            <a:schemeClr val="dk1"/>
           </a:fontRef>
         </p:style>
         <p:txBody>
@@ -17516,33 +17808,20 @@
           <a:prstGeom prst="rect">
             <a:avLst/>
           </a:prstGeom>
-          <a:solidFill>
-            <a:srgbClr val="CCF0CD">
-              <a:alpha val="20000"/>
-            </a:srgbClr>
-          </a:solidFill>
-          <a:ln>
-            <a:solidFill>
-              <a:schemeClr val="accent1">
-                <a:lumMod val="50000"/>
-              </a:schemeClr>
-            </a:solidFill>
-          </a:ln>
-        </p:spPr>
-        <p:style>
-          <a:lnRef idx="2">
-            <a:schemeClr val="accent1">
-              <a:shade val="50000"/>
-            </a:schemeClr>
-          </a:lnRef>
-          <a:fillRef idx="1">
-            <a:schemeClr val="accent1"/>
-          </a:fillRef>
-          <a:effectRef idx="0">
-            <a:schemeClr val="accent1"/>
-          </a:effectRef>
-          <a:fontRef idx="minor">
-            <a:schemeClr val="lt1"/>
+          <a:ln/>
+        </p:spPr>
+        <p:style>
+          <a:lnRef idx="1">
+            <a:schemeClr val="accent3"/>
+          </a:lnRef>
+          <a:fillRef idx="2">
+            <a:schemeClr val="accent3"/>
+          </a:fillRef>
+          <a:effectRef idx="1">
+            <a:schemeClr val="accent3"/>
+          </a:effectRef>
+          <a:fontRef idx="minor">
+            <a:schemeClr val="dk1"/>
           </a:fontRef>
         </p:style>
         <p:txBody>
@@ -17580,34 +17859,20 @@
           <a:prstGeom prst="rect">
             <a:avLst/>
           </a:prstGeom>
-          <a:solidFill>
-            <a:schemeClr val="accent4">
-              <a:lumMod val="20000"/>
-              <a:lumOff val="80000"/>
-            </a:schemeClr>
-          </a:solidFill>
-          <a:ln>
-            <a:solidFill>
-              <a:schemeClr val="accent1">
-                <a:lumMod val="50000"/>
-              </a:schemeClr>
-            </a:solidFill>
-          </a:ln>
-        </p:spPr>
-        <p:style>
-          <a:lnRef idx="2">
-            <a:schemeClr val="accent1">
-              <a:shade val="50000"/>
-            </a:schemeClr>
-          </a:lnRef>
-          <a:fillRef idx="1">
-            <a:schemeClr val="accent1"/>
-          </a:fillRef>
-          <a:effectRef idx="0">
-            <a:schemeClr val="accent1"/>
-          </a:effectRef>
-          <a:fontRef idx="minor">
-            <a:schemeClr val="lt1"/>
+          <a:ln/>
+        </p:spPr>
+        <p:style>
+          <a:lnRef idx="1">
+            <a:schemeClr val="accent3"/>
+          </a:lnRef>
+          <a:fillRef idx="2">
+            <a:schemeClr val="accent3"/>
+          </a:fillRef>
+          <a:effectRef idx="1">
+            <a:schemeClr val="accent3"/>
+          </a:effectRef>
+          <a:fontRef idx="minor">
+            <a:schemeClr val="dk1"/>
           </a:fontRef>
         </p:style>
         <p:txBody>
@@ -17645,31 +17910,20 @@
           <a:prstGeom prst="rect">
             <a:avLst/>
           </a:prstGeom>
-          <a:solidFill>
-            <a:schemeClr val="bg1"/>
-          </a:solidFill>
-          <a:ln>
-            <a:solidFill>
-              <a:schemeClr val="accent1">
-                <a:lumMod val="50000"/>
-              </a:schemeClr>
-            </a:solidFill>
-          </a:ln>
-        </p:spPr>
-        <p:style>
-          <a:lnRef idx="2">
-            <a:schemeClr val="accent1">
-              <a:shade val="50000"/>
-            </a:schemeClr>
-          </a:lnRef>
-          <a:fillRef idx="1">
-            <a:schemeClr val="accent1"/>
-          </a:fillRef>
-          <a:effectRef idx="0">
-            <a:schemeClr val="accent1"/>
-          </a:effectRef>
-          <a:fontRef idx="minor">
-            <a:schemeClr val="lt1"/>
+          <a:ln/>
+        </p:spPr>
+        <p:style>
+          <a:lnRef idx="1">
+            <a:schemeClr val="accent3"/>
+          </a:lnRef>
+          <a:fillRef idx="2">
+            <a:schemeClr val="accent3"/>
+          </a:fillRef>
+          <a:effectRef idx="1">
+            <a:schemeClr val="accent3"/>
+          </a:effectRef>
+          <a:fontRef idx="minor">
+            <a:schemeClr val="dk1"/>
           </a:fontRef>
         </p:style>
         <p:txBody>
